--- a/Grand_Präsi_2.0.pptx
+++ b/Grand_Präsi_2.0.pptx
@@ -15,7 +15,7 @@
     <p:sldId id="262" r:id="rId3"/>
     <p:sldId id="260" r:id="rId4"/>
     <p:sldId id="274" r:id="rId5"/>
-    <p:sldId id="279" r:id="rId6"/>
+    <p:sldId id="282" r:id="rId6"/>
     <p:sldId id="278" r:id="rId7"/>
     <p:sldId id="280" r:id="rId8"/>
     <p:sldId id="275" r:id="rId9"/>
@@ -17275,93 +17275,73 @@
           <a:bodyPr/>
           <a:lstStyle/>
           <a:p>
-            <a:r>
-              <a:rPr lang="de-DE" sz="1600" dirty="0" err="1"/>
-              <a:t>Distribuition</a:t>
-            </a:r>
-            <a:r>
-              <a:rPr lang="de-DE" sz="1600" dirty="0"/>
-              <a:t> </a:t>
-            </a:r>
-            <a:r>
-              <a:rPr lang="de-DE" sz="1600" dirty="0" err="1"/>
-              <a:t>is</a:t>
-            </a:r>
-            <a:r>
-              <a:rPr lang="de-DE" sz="1600" dirty="0"/>
-              <a:t> </a:t>
-            </a:r>
-            <a:r>
-              <a:rPr lang="de-DE" sz="1600" dirty="0" err="1"/>
-              <a:t>unknown</a:t>
-            </a:r>
+            <a:pPr marL="285750" indent="-285750">
+              <a:buFont typeface="Arial" panose="020B0604020202020204" pitchFamily="34" charset="0"/>
+              <a:buChar char="•"/>
+            </a:pPr>
             <a:r>
               <a:rPr lang="en-US" sz="1600" dirty="0"/>
-              <a:t> -&gt; assumption no normal distribution</a:t>
-            </a:r>
-          </a:p>
-          <a:p>
-            <a:endParaRPr lang="de-DE" sz="1600" dirty="0"/>
-          </a:p>
-          <a:p>
-            <a:r>
-              <a:rPr lang="de-DE" sz="1600" dirty="0"/>
-              <a:t>-</a:t>
-            </a:r>
+              <a:t>Do two columns (samples) belong to the same population ?</a:t>
+            </a:r>
+          </a:p>
+          <a:p>
+            <a:pPr marL="285750" indent="-285750">
+              <a:buFont typeface="Arial" panose="020B0604020202020204" pitchFamily="34" charset="0"/>
+              <a:buChar char="•"/>
+            </a:pPr>
             <a:r>
               <a:rPr lang="en-US" sz="1600" dirty="0"/>
-              <a:t>&gt; Two-sample </a:t>
-            </a:r>
-            <a:r>
-              <a:rPr lang="en-US" sz="1600" dirty="0" err="1"/>
-              <a:t>Kolmogrorov</a:t>
-            </a:r>
+              <a:t>We don't know the distributions of the two samples</a:t>
+            </a:r>
+          </a:p>
+          <a:p>
+            <a:pPr marL="285750" indent="-285750">
+              <a:buFont typeface="Arial" panose="020B0604020202020204" pitchFamily="34" charset="0"/>
+              <a:buChar char="•"/>
+            </a:pPr>
             <a:r>
               <a:rPr lang="en-US" sz="1600" dirty="0"/>
-              <a:t>-Smirnov test</a:t>
-            </a:r>
-          </a:p>
-          <a:p>
-            <a:endParaRPr lang="de-DE" sz="1600" dirty="0"/>
-          </a:p>
-          <a:p>
-            <a:r>
-              <a:rPr lang="de-DE" sz="1600" dirty="0"/>
-              <a:t>-</a:t>
-            </a:r>
+              <a:t>Data can be categorical</a:t>
+            </a:r>
+          </a:p>
+          <a:p>
+            <a:pPr marL="285750" indent="-285750">
+              <a:buFont typeface="Arial" panose="020B0604020202020204" pitchFamily="34" charset="0"/>
+              <a:buChar char="•"/>
+            </a:pPr>
             <a:r>
               <a:rPr lang="en-US" sz="1600" dirty="0"/>
-              <a:t>&gt; Formel: statistics</a:t>
-            </a:r>
-          </a:p>
-          <a:p>
-            <a:endParaRPr lang="de-DE" sz="1600" dirty="0"/>
-          </a:p>
-          <a:p>
-            <a:r>
-              <a:rPr lang="de-DE" sz="1600" dirty="0"/>
-              <a:t>-</a:t>
-            </a:r>
+              <a:t>Use chi-squared test of homogeneity</a:t>
+            </a:r>
+          </a:p>
+          <a:p>
+            <a:pPr marL="285750" indent="-285750">
+              <a:buFont typeface="Arial" panose="020B0604020202020204" pitchFamily="34" charset="0"/>
+              <a:buChar char="•"/>
+            </a:pPr>
             <a:r>
               <a:rPr lang="en-US" sz="1600" dirty="0"/>
-              <a:t>&gt; Picture</a:t>
-            </a:r>
-          </a:p>
-          <a:p>
-            <a:endParaRPr lang="de-DE" sz="1600" dirty="0"/>
-          </a:p>
-          <a:p>
-            <a:r>
-              <a:rPr lang="de-DE" sz="1600" dirty="0"/>
-              <a:t>//</a:t>
-            </a:r>
-            <a:r>
-              <a:rPr lang="de-DE" sz="1600" dirty="0" err="1"/>
-              <a:t>ToDo</a:t>
-            </a:r>
-            <a:r>
-              <a:rPr lang="de-DE" sz="1600" dirty="0"/>
-              <a:t> Felix Folien</a:t>
+              <a:t>Use string length instead of strings</a:t>
+            </a:r>
+          </a:p>
+          <a:p>
+            <a:pPr marL="285750" indent="-285750">
+              <a:buFont typeface="Arial" panose="020B0604020202020204" pitchFamily="34" charset="0"/>
+              <a:buChar char="•"/>
+            </a:pPr>
+            <a:r>
+              <a:rPr lang="en-US" sz="1600" dirty="0"/>
+              <a:t>Selection of statistical tests in Spark is limited, no two sample tests</a:t>
+            </a:r>
+          </a:p>
+          <a:p>
+            <a:pPr marL="285750" indent="-285750">
+              <a:buFont typeface="Arial" panose="020B0604020202020204" pitchFamily="34" charset="0"/>
+              <a:buChar char="•"/>
+            </a:pPr>
+            <a:r>
+              <a:rPr lang="en-US" sz="1600" dirty="0"/>
+              <a:t>Scale applicability by test result</a:t>
             </a:r>
           </a:p>
         </p:txBody>
@@ -17388,20 +17368,12 @@
           <a:lstStyle/>
           <a:p>
             <a:r>
+              <a:rPr lang="de-DE" dirty="0" err="1"/>
+              <a:t>Two</a:t>
+            </a:r>
+            <a:r>
               <a:rPr lang="de-DE" dirty="0"/>
-              <a:t>Statistical </a:t>
-            </a:r>
-            <a:r>
-              <a:rPr lang="de-DE" dirty="0" err="1"/>
-              <a:t>tests</a:t>
-            </a:r>
-            <a:r>
-              <a:rPr lang="de-DE" dirty="0"/>
-              <a:t> </a:t>
-            </a:r>
-            <a:r>
-              <a:rPr lang="de-DE" dirty="0" err="1"/>
-              <a:t>for</a:t>
+              <a:t> Sample Hypothesis Test</a:t>
             </a:r>
             <a:endParaRPr lang="en-US" dirty="0"/>
           </a:p>
@@ -17513,7 +17485,7 @@
     </p:spTree>
     <p:extLst>
       <p:ext uri="{BB962C8B-B14F-4D97-AF65-F5344CB8AC3E}">
-        <p14:creationId xmlns:p14="http://schemas.microsoft.com/office/powerpoint/2010/main" val="2876679085"/>
+        <p14:creationId xmlns:p14="http://schemas.microsoft.com/office/powerpoint/2010/main" val="322537373"/>
       </p:ext>
     </p:extLst>
   </p:cSld>
@@ -17523,6 +17495,382 @@
   <p:transition>
     <p:fade/>
   </p:transition>
+  <p:timing>
+    <p:tnLst>
+      <p:par>
+        <p:cTn id="1" dur="indefinite" restart="never" nodeType="tmRoot">
+          <p:childTnLst>
+            <p:seq concurrent="1" nextAc="seek">
+              <p:cTn id="2" dur="indefinite" nodeType="mainSeq">
+                <p:childTnLst>
+                  <p:par>
+                    <p:cTn id="3" fill="hold">
+                      <p:stCondLst>
+                        <p:cond delay="indefinite"/>
+                      </p:stCondLst>
+                      <p:childTnLst>
+                        <p:par>
+                          <p:cTn id="4" fill="hold">
+                            <p:stCondLst>
+                              <p:cond delay="0"/>
+                            </p:stCondLst>
+                            <p:childTnLst>
+                              <p:par>
+                                <p:cTn id="5" presetID="1" presetClass="entr" presetSubtype="0" fill="hold" grpId="0" nodeType="clickEffect">
+                                  <p:stCondLst>
+                                    <p:cond delay="0"/>
+                                  </p:stCondLst>
+                                  <p:childTnLst>
+                                    <p:set>
+                                      <p:cBhvr>
+                                        <p:cTn id="6" dur="1" fill="hold">
+                                          <p:stCondLst>
+                                            <p:cond delay="0"/>
+                                          </p:stCondLst>
+                                        </p:cTn>
+                                        <p:tgtEl>
+                                          <p:spTgt spid="2">
+                                            <p:txEl>
+                                              <p:pRg st="0" end="0"/>
+                                            </p:txEl>
+                                          </p:spTgt>
+                                        </p:tgtEl>
+                                        <p:attrNameLst>
+                                          <p:attrName>style.visibility</p:attrName>
+                                        </p:attrNameLst>
+                                      </p:cBhvr>
+                                      <p:to>
+                                        <p:strVal val="visible"/>
+                                      </p:to>
+                                    </p:set>
+                                  </p:childTnLst>
+                                </p:cTn>
+                              </p:par>
+                            </p:childTnLst>
+                          </p:cTn>
+                        </p:par>
+                      </p:childTnLst>
+                    </p:cTn>
+                  </p:par>
+                  <p:par>
+                    <p:cTn id="7" fill="hold">
+                      <p:stCondLst>
+                        <p:cond delay="indefinite"/>
+                      </p:stCondLst>
+                      <p:childTnLst>
+                        <p:par>
+                          <p:cTn id="8" fill="hold">
+                            <p:stCondLst>
+                              <p:cond delay="0"/>
+                            </p:stCondLst>
+                            <p:childTnLst>
+                              <p:par>
+                                <p:cTn id="9" presetID="1" presetClass="entr" presetSubtype="0" fill="hold" grpId="0" nodeType="clickEffect">
+                                  <p:stCondLst>
+                                    <p:cond delay="0"/>
+                                  </p:stCondLst>
+                                  <p:childTnLst>
+                                    <p:set>
+                                      <p:cBhvr>
+                                        <p:cTn id="10" dur="1" fill="hold">
+                                          <p:stCondLst>
+                                            <p:cond delay="0"/>
+                                          </p:stCondLst>
+                                        </p:cTn>
+                                        <p:tgtEl>
+                                          <p:spTgt spid="2">
+                                            <p:txEl>
+                                              <p:pRg st="1" end="1"/>
+                                            </p:txEl>
+                                          </p:spTgt>
+                                        </p:tgtEl>
+                                        <p:attrNameLst>
+                                          <p:attrName>style.visibility</p:attrName>
+                                        </p:attrNameLst>
+                                      </p:cBhvr>
+                                      <p:to>
+                                        <p:strVal val="visible"/>
+                                      </p:to>
+                                    </p:set>
+                                  </p:childTnLst>
+                                </p:cTn>
+                              </p:par>
+                            </p:childTnLst>
+                          </p:cTn>
+                        </p:par>
+                      </p:childTnLst>
+                    </p:cTn>
+                  </p:par>
+                  <p:par>
+                    <p:cTn id="11" fill="hold">
+                      <p:stCondLst>
+                        <p:cond delay="indefinite"/>
+                      </p:stCondLst>
+                      <p:childTnLst>
+                        <p:par>
+                          <p:cTn id="12" fill="hold">
+                            <p:stCondLst>
+                              <p:cond delay="0"/>
+                            </p:stCondLst>
+                            <p:childTnLst>
+                              <p:par>
+                                <p:cTn id="13" presetID="1" presetClass="entr" presetSubtype="0" fill="hold" grpId="0" nodeType="clickEffect">
+                                  <p:stCondLst>
+                                    <p:cond delay="0"/>
+                                  </p:stCondLst>
+                                  <p:childTnLst>
+                                    <p:set>
+                                      <p:cBhvr>
+                                        <p:cTn id="14" dur="1" fill="hold">
+                                          <p:stCondLst>
+                                            <p:cond delay="0"/>
+                                          </p:stCondLst>
+                                        </p:cTn>
+                                        <p:tgtEl>
+                                          <p:spTgt spid="2">
+                                            <p:txEl>
+                                              <p:pRg st="2" end="2"/>
+                                            </p:txEl>
+                                          </p:spTgt>
+                                        </p:tgtEl>
+                                        <p:attrNameLst>
+                                          <p:attrName>style.visibility</p:attrName>
+                                        </p:attrNameLst>
+                                      </p:cBhvr>
+                                      <p:to>
+                                        <p:strVal val="visible"/>
+                                      </p:to>
+                                    </p:set>
+                                  </p:childTnLst>
+                                </p:cTn>
+                              </p:par>
+                            </p:childTnLst>
+                          </p:cTn>
+                        </p:par>
+                      </p:childTnLst>
+                    </p:cTn>
+                  </p:par>
+                  <p:par>
+                    <p:cTn id="15" fill="hold">
+                      <p:stCondLst>
+                        <p:cond delay="indefinite"/>
+                      </p:stCondLst>
+                      <p:childTnLst>
+                        <p:par>
+                          <p:cTn id="16" fill="hold">
+                            <p:stCondLst>
+                              <p:cond delay="0"/>
+                            </p:stCondLst>
+                            <p:childTnLst>
+                              <p:par>
+                                <p:cTn id="17" presetID="1" presetClass="entr" presetSubtype="0" fill="hold" grpId="0" nodeType="clickEffect">
+                                  <p:stCondLst>
+                                    <p:cond delay="0"/>
+                                  </p:stCondLst>
+                                  <p:childTnLst>
+                                    <p:set>
+                                      <p:cBhvr>
+                                        <p:cTn id="18" dur="1" fill="hold">
+                                          <p:stCondLst>
+                                            <p:cond delay="0"/>
+                                          </p:stCondLst>
+                                        </p:cTn>
+                                        <p:tgtEl>
+                                          <p:spTgt spid="2">
+                                            <p:txEl>
+                                              <p:pRg st="3" end="3"/>
+                                            </p:txEl>
+                                          </p:spTgt>
+                                        </p:tgtEl>
+                                        <p:attrNameLst>
+                                          <p:attrName>style.visibility</p:attrName>
+                                        </p:attrNameLst>
+                                      </p:cBhvr>
+                                      <p:to>
+                                        <p:strVal val="visible"/>
+                                      </p:to>
+                                    </p:set>
+                                  </p:childTnLst>
+                                </p:cTn>
+                              </p:par>
+                            </p:childTnLst>
+                          </p:cTn>
+                        </p:par>
+                      </p:childTnLst>
+                    </p:cTn>
+                  </p:par>
+                  <p:par>
+                    <p:cTn id="19" fill="hold">
+                      <p:stCondLst>
+                        <p:cond delay="indefinite"/>
+                      </p:stCondLst>
+                      <p:childTnLst>
+                        <p:par>
+                          <p:cTn id="20" fill="hold">
+                            <p:stCondLst>
+                              <p:cond delay="0"/>
+                            </p:stCondLst>
+                            <p:childTnLst>
+                              <p:par>
+                                <p:cTn id="21" presetID="1" presetClass="entr" presetSubtype="0" fill="hold" grpId="0" nodeType="clickEffect">
+                                  <p:stCondLst>
+                                    <p:cond delay="0"/>
+                                  </p:stCondLst>
+                                  <p:childTnLst>
+                                    <p:set>
+                                      <p:cBhvr>
+                                        <p:cTn id="22" dur="1" fill="hold">
+                                          <p:stCondLst>
+                                            <p:cond delay="0"/>
+                                          </p:stCondLst>
+                                        </p:cTn>
+                                        <p:tgtEl>
+                                          <p:spTgt spid="2">
+                                            <p:txEl>
+                                              <p:pRg st="4" end="4"/>
+                                            </p:txEl>
+                                          </p:spTgt>
+                                        </p:tgtEl>
+                                        <p:attrNameLst>
+                                          <p:attrName>style.visibility</p:attrName>
+                                        </p:attrNameLst>
+                                      </p:cBhvr>
+                                      <p:to>
+                                        <p:strVal val="visible"/>
+                                      </p:to>
+                                    </p:set>
+                                  </p:childTnLst>
+                                </p:cTn>
+                              </p:par>
+                            </p:childTnLst>
+                          </p:cTn>
+                        </p:par>
+                      </p:childTnLst>
+                    </p:cTn>
+                  </p:par>
+                  <p:par>
+                    <p:cTn id="23" fill="hold">
+                      <p:stCondLst>
+                        <p:cond delay="indefinite"/>
+                      </p:stCondLst>
+                      <p:childTnLst>
+                        <p:par>
+                          <p:cTn id="24" fill="hold">
+                            <p:stCondLst>
+                              <p:cond delay="0"/>
+                            </p:stCondLst>
+                            <p:childTnLst>
+                              <p:par>
+                                <p:cTn id="25" presetID="1" presetClass="entr" presetSubtype="0" fill="hold" grpId="0" nodeType="clickEffect">
+                                  <p:stCondLst>
+                                    <p:cond delay="0"/>
+                                  </p:stCondLst>
+                                  <p:childTnLst>
+                                    <p:set>
+                                      <p:cBhvr>
+                                        <p:cTn id="26" dur="1" fill="hold">
+                                          <p:stCondLst>
+                                            <p:cond delay="0"/>
+                                          </p:stCondLst>
+                                        </p:cTn>
+                                        <p:tgtEl>
+                                          <p:spTgt spid="2">
+                                            <p:txEl>
+                                              <p:pRg st="5" end="5"/>
+                                            </p:txEl>
+                                          </p:spTgt>
+                                        </p:tgtEl>
+                                        <p:attrNameLst>
+                                          <p:attrName>style.visibility</p:attrName>
+                                        </p:attrNameLst>
+                                      </p:cBhvr>
+                                      <p:to>
+                                        <p:strVal val="visible"/>
+                                      </p:to>
+                                    </p:set>
+                                  </p:childTnLst>
+                                </p:cTn>
+                              </p:par>
+                            </p:childTnLst>
+                          </p:cTn>
+                        </p:par>
+                      </p:childTnLst>
+                    </p:cTn>
+                  </p:par>
+                  <p:par>
+                    <p:cTn id="27" fill="hold">
+                      <p:stCondLst>
+                        <p:cond delay="indefinite"/>
+                      </p:stCondLst>
+                      <p:childTnLst>
+                        <p:par>
+                          <p:cTn id="28" fill="hold">
+                            <p:stCondLst>
+                              <p:cond delay="0"/>
+                            </p:stCondLst>
+                            <p:childTnLst>
+                              <p:par>
+                                <p:cTn id="29" presetID="1" presetClass="entr" presetSubtype="0" fill="hold" grpId="0" nodeType="clickEffect">
+                                  <p:stCondLst>
+                                    <p:cond delay="0"/>
+                                  </p:stCondLst>
+                                  <p:childTnLst>
+                                    <p:set>
+                                      <p:cBhvr>
+                                        <p:cTn id="30" dur="1" fill="hold">
+                                          <p:stCondLst>
+                                            <p:cond delay="0"/>
+                                          </p:stCondLst>
+                                        </p:cTn>
+                                        <p:tgtEl>
+                                          <p:spTgt spid="2">
+                                            <p:txEl>
+                                              <p:pRg st="6" end="6"/>
+                                            </p:txEl>
+                                          </p:spTgt>
+                                        </p:tgtEl>
+                                        <p:attrNameLst>
+                                          <p:attrName>style.visibility</p:attrName>
+                                        </p:attrNameLst>
+                                      </p:cBhvr>
+                                      <p:to>
+                                        <p:strVal val="visible"/>
+                                      </p:to>
+                                    </p:set>
+                                  </p:childTnLst>
+                                </p:cTn>
+                              </p:par>
+                            </p:childTnLst>
+                          </p:cTn>
+                        </p:par>
+                      </p:childTnLst>
+                    </p:cTn>
+                  </p:par>
+                </p:childTnLst>
+              </p:cTn>
+              <p:prevCondLst>
+                <p:cond evt="onPrev" delay="0">
+                  <p:tgtEl>
+                    <p:sldTgt/>
+                  </p:tgtEl>
+                </p:cond>
+              </p:prevCondLst>
+              <p:nextCondLst>
+                <p:cond evt="onNext" delay="0">
+                  <p:tgtEl>
+                    <p:sldTgt/>
+                  </p:tgtEl>
+                </p:cond>
+              </p:nextCondLst>
+            </p:seq>
+          </p:childTnLst>
+        </p:cTn>
+      </p:par>
+    </p:tnLst>
+    <p:bldLst>
+      <p:bldP spid="2" grpId="0" build="p"/>
+    </p:bldLst>
+  </p:timing>
 </p:sld>
 </file>
 
